--- a/template/table_page.pptx
+++ b/template/table_page.pptx
@@ -4460,7 +4460,7 @@
           <p:nvPr>
             <p:extLst>
               <p:ext uri="{D42A27DB-BD31-4B8C-83A1-F6EECF244321}">
-                <p14:modId xmlns:p14="http://schemas.microsoft.com/office/powerpoint/2010/main" val="158421541"/>
+                <p14:modId xmlns:p14="http://schemas.microsoft.com/office/powerpoint/2010/main" val="1801566836"/>
               </p:ext>
             </p:extLst>
           </p:nvPr>
@@ -4682,7 +4682,7 @@
                     <a:bodyPr/>
                     <a:lstStyle/>
                     <a:p>
-                      <a:pPr marL="0" marR="0" lvl="0" indent="0" algn="l" defTabSz="914400" rtl="0" eaLnBrk="1" fontAlgn="auto" latinLnBrk="0" hangingPunct="1">
+                      <a:pPr marL="285750" marR="0" lvl="0" indent="-285750" algn="l" defTabSz="914400" rtl="0" eaLnBrk="1" fontAlgn="auto" latinLnBrk="0" hangingPunct="1">
                         <a:lnSpc>
                           <a:spcPct val="100000"/>
                         </a:lnSpc>
@@ -4695,7 +4695,7 @@
                         <a:buClrTx/>
                         <a:buSzTx/>
                         <a:buFont typeface="Arial" panose="020B0604020202020204" pitchFamily="34" charset="0"/>
-                        <a:buNone/>
+                        <a:buChar char="•"/>
                         <a:tabLst/>
                         <a:defRPr/>
                       </a:pPr>
@@ -4742,7 +4742,7 @@
                     <a:bodyPr/>
                     <a:lstStyle/>
                     <a:p>
-                      <a:pPr marL="0" marR="0" lvl="0" indent="0" algn="l" defTabSz="914400" rtl="0" eaLnBrk="1" fontAlgn="auto" latinLnBrk="0" hangingPunct="1">
+                      <a:pPr marL="285750" marR="0" lvl="0" indent="-285750" algn="l" defTabSz="914400" rtl="0" eaLnBrk="1" fontAlgn="auto" latinLnBrk="0" hangingPunct="1">
                         <a:lnSpc>
                           <a:spcPct val="100000"/>
                         </a:lnSpc>
@@ -4755,7 +4755,7 @@
                         <a:buClrTx/>
                         <a:buSzTx/>
                         <a:buFont typeface="Arial" panose="020B0604020202020204" pitchFamily="34" charset="0"/>
-                        <a:buNone/>
+                        <a:buChar char="•"/>
                         <a:tabLst/>
                         <a:defRPr/>
                       </a:pPr>
@@ -5015,7 +5015,7 @@
           <p:nvPr>
             <p:extLst>
               <p:ext uri="{D42A27DB-BD31-4B8C-83A1-F6EECF244321}">
-                <p14:modId xmlns:p14="http://schemas.microsoft.com/office/powerpoint/2010/main" val="571846011"/>
+                <p14:modId xmlns:p14="http://schemas.microsoft.com/office/powerpoint/2010/main" val="3737752246"/>
               </p:ext>
             </p:extLst>
           </p:nvPr>
@@ -5333,7 +5333,7 @@
                     <a:bodyPr/>
                     <a:lstStyle/>
                     <a:p>
-                      <a:pPr marL="0" marR="0" lvl="0" indent="0" algn="l" defTabSz="914400" rtl="0" eaLnBrk="1" fontAlgn="auto" latinLnBrk="0" hangingPunct="1">
+                      <a:pPr marL="285750" marR="0" lvl="0" indent="-285750" algn="l" defTabSz="914400" rtl="0" eaLnBrk="1" fontAlgn="auto" latinLnBrk="0" hangingPunct="1">
                         <a:lnSpc>
                           <a:spcPct val="100000"/>
                         </a:lnSpc>
@@ -5346,7 +5346,7 @@
                         <a:buClrTx/>
                         <a:buSzTx/>
                         <a:buFont typeface="Arial" panose="020B0604020202020204" pitchFamily="34" charset="0"/>
-                        <a:buNone/>
+                        <a:buChar char="•"/>
                         <a:tabLst/>
                         <a:defRPr/>
                       </a:pPr>
@@ -5393,7 +5393,7 @@
                     <a:bodyPr/>
                     <a:lstStyle/>
                     <a:p>
-                      <a:pPr marL="0" marR="0" lvl="0" indent="0" algn="l" defTabSz="914400" rtl="0" eaLnBrk="1" fontAlgn="auto" latinLnBrk="0" hangingPunct="1">
+                      <a:pPr marL="285750" marR="0" lvl="0" indent="-285750" algn="l" defTabSz="914400" rtl="0" eaLnBrk="1" fontAlgn="auto" latinLnBrk="0" hangingPunct="1">
                         <a:lnSpc>
                           <a:spcPct val="100000"/>
                         </a:lnSpc>
@@ -5406,7 +5406,7 @@
                         <a:buClrTx/>
                         <a:buSzTx/>
                         <a:buFont typeface="Arial" panose="020B0604020202020204" pitchFamily="34" charset="0"/>
-                        <a:buNone/>
+                        <a:buChar char="•"/>
                         <a:tabLst/>
                         <a:defRPr/>
                       </a:pPr>
@@ -5462,7 +5462,7 @@
                     <a:bodyPr/>
                     <a:lstStyle/>
                     <a:p>
-                      <a:pPr marL="0" marR="0" lvl="0" indent="0" algn="l" defTabSz="914400" rtl="0" eaLnBrk="1" fontAlgn="auto" latinLnBrk="0" hangingPunct="1">
+                      <a:pPr marL="285750" marR="0" lvl="0" indent="-285750" algn="l" defTabSz="914400" rtl="0" eaLnBrk="1" fontAlgn="auto" latinLnBrk="0" hangingPunct="1">
                         <a:lnSpc>
                           <a:spcPct val="100000"/>
                         </a:lnSpc>
@@ -5475,7 +5475,7 @@
                         <a:buClrTx/>
                         <a:buSzTx/>
                         <a:buFont typeface="Arial" panose="020B0604020202020204" pitchFamily="34" charset="0"/>
-                        <a:buNone/>
+                        <a:buChar char="•"/>
                         <a:tabLst/>
                         <a:defRPr/>
                       </a:pPr>
@@ -5735,7 +5735,7 @@
           <p:nvPr>
             <p:extLst>
               <p:ext uri="{D42A27DB-BD31-4B8C-83A1-F6EECF244321}">
-                <p14:modId xmlns:p14="http://schemas.microsoft.com/office/powerpoint/2010/main" val="2099412643"/>
+                <p14:modId xmlns:p14="http://schemas.microsoft.com/office/powerpoint/2010/main" val="263311734"/>
               </p:ext>
             </p:extLst>
           </p:nvPr>
@@ -6173,7 +6173,7 @@
                     <a:bodyPr/>
                     <a:lstStyle/>
                     <a:p>
-                      <a:pPr marL="0" marR="0" lvl="0" indent="0" algn="l" defTabSz="914400" rtl="0" eaLnBrk="1" fontAlgn="auto" latinLnBrk="0" hangingPunct="1">
+                      <a:pPr marL="285750" marR="0" lvl="0" indent="-285750" algn="l" defTabSz="914400" rtl="0" eaLnBrk="1" fontAlgn="auto" latinLnBrk="0" hangingPunct="1">
                         <a:lnSpc>
                           <a:spcPct val="100000"/>
                         </a:lnSpc>
@@ -6186,7 +6186,7 @@
                         <a:buClrTx/>
                         <a:buSzTx/>
                         <a:buFont typeface="Arial" panose="020B0604020202020204" pitchFamily="34" charset="0"/>
-                        <a:buNone/>
+                        <a:buChar char="•"/>
                         <a:tabLst/>
                         <a:defRPr/>
                       </a:pPr>
@@ -6233,7 +6233,7 @@
                     <a:bodyPr/>
                     <a:lstStyle/>
                     <a:p>
-                      <a:pPr marL="0" marR="0" lvl="0" indent="0" algn="l" defTabSz="914400" rtl="0" eaLnBrk="1" fontAlgn="auto" latinLnBrk="0" hangingPunct="1">
+                      <a:pPr marL="285750" marR="0" lvl="0" indent="-285750" algn="l" defTabSz="914400" rtl="0" eaLnBrk="1" fontAlgn="auto" latinLnBrk="0" hangingPunct="1">
                         <a:lnSpc>
                           <a:spcPct val="100000"/>
                         </a:lnSpc>
@@ -6246,7 +6246,7 @@
                         <a:buClrTx/>
                         <a:buSzTx/>
                         <a:buFont typeface="Arial" panose="020B0604020202020204" pitchFamily="34" charset="0"/>
-                        <a:buNone/>
+                        <a:buChar char="•"/>
                         <a:tabLst/>
                         <a:defRPr/>
                       </a:pPr>
@@ -6302,7 +6302,7 @@
                     <a:bodyPr/>
                     <a:lstStyle/>
                     <a:p>
-                      <a:pPr marL="0" marR="0" lvl="0" indent="0" algn="l" defTabSz="914400" rtl="0" eaLnBrk="1" fontAlgn="auto" latinLnBrk="0" hangingPunct="1">
+                      <a:pPr marL="285750" marR="0" lvl="0" indent="-285750" algn="l" defTabSz="914400" rtl="0" eaLnBrk="1" fontAlgn="auto" latinLnBrk="0" hangingPunct="1">
                         <a:lnSpc>
                           <a:spcPct val="100000"/>
                         </a:lnSpc>
@@ -6315,7 +6315,7 @@
                         <a:buClrTx/>
                         <a:buSzTx/>
                         <a:buFont typeface="Arial" panose="020B0604020202020204" pitchFamily="34" charset="0"/>
-                        <a:buNone/>
+                        <a:buChar char="•"/>
                         <a:tabLst/>
                         <a:defRPr/>
                       </a:pPr>
@@ -6394,7 +6394,7 @@
                     <a:bodyPr/>
                     <a:lstStyle/>
                     <a:p>
-                      <a:pPr marL="0" marR="0" lvl="0" indent="0" algn="l" defTabSz="914400" rtl="0" eaLnBrk="1" fontAlgn="auto" latinLnBrk="0" hangingPunct="1">
+                      <a:pPr marL="285750" marR="0" lvl="0" indent="-285750" algn="l" defTabSz="914400" rtl="0" eaLnBrk="1" fontAlgn="auto" latinLnBrk="0" hangingPunct="1">
                         <a:lnSpc>
                           <a:spcPct val="100000"/>
                         </a:lnSpc>
@@ -6407,7 +6407,7 @@
                         <a:buClrTx/>
                         <a:buSzTx/>
                         <a:buFont typeface="Arial" panose="020B0604020202020204" pitchFamily="34" charset="0"/>
-                        <a:buNone/>
+                        <a:buChar char="•"/>
                         <a:tabLst/>
                         <a:defRPr/>
                       </a:pPr>
@@ -6667,7 +6667,7 @@
           <p:nvPr>
             <p:extLst>
               <p:ext uri="{D42A27DB-BD31-4B8C-83A1-F6EECF244321}">
-                <p14:modId xmlns:p14="http://schemas.microsoft.com/office/powerpoint/2010/main" val="554745734"/>
+                <p14:modId xmlns:p14="http://schemas.microsoft.com/office/powerpoint/2010/main" val="1079784102"/>
               </p:ext>
             </p:extLst>
           </p:nvPr>
@@ -7169,7 +7169,7 @@
                     <a:bodyPr/>
                     <a:lstStyle/>
                     <a:p>
-                      <a:pPr marL="0" marR="0" lvl="0" indent="0" algn="l" defTabSz="914400" rtl="0" eaLnBrk="1" fontAlgn="auto" latinLnBrk="0" hangingPunct="1">
+                      <a:pPr marL="285750" marR="0" lvl="0" indent="-285750" algn="l" defTabSz="914400" rtl="0" eaLnBrk="1" fontAlgn="auto" latinLnBrk="0" hangingPunct="1">
                         <a:lnSpc>
                           <a:spcPct val="100000"/>
                         </a:lnSpc>
@@ -7182,7 +7182,7 @@
                         <a:buClrTx/>
                         <a:buSzTx/>
                         <a:buFont typeface="Arial" panose="020B0604020202020204" pitchFamily="34" charset="0"/>
-                        <a:buNone/>
+                        <a:buChar char="•"/>
                         <a:tabLst/>
                         <a:defRPr/>
                       </a:pPr>
@@ -7229,7 +7229,7 @@
                     <a:bodyPr/>
                     <a:lstStyle/>
                     <a:p>
-                      <a:pPr marL="0" marR="0" lvl="0" indent="0" algn="l" defTabSz="914400" rtl="0" eaLnBrk="1" fontAlgn="auto" latinLnBrk="0" hangingPunct="1">
+                      <a:pPr marL="285750" marR="0" lvl="0" indent="-285750" algn="l" defTabSz="914400" rtl="0" eaLnBrk="1" fontAlgn="auto" latinLnBrk="0" hangingPunct="1">
                         <a:lnSpc>
                           <a:spcPct val="100000"/>
                         </a:lnSpc>
@@ -7242,7 +7242,7 @@
                         <a:buClrTx/>
                         <a:buSzTx/>
                         <a:buFont typeface="Arial" panose="020B0604020202020204" pitchFamily="34" charset="0"/>
-                        <a:buNone/>
+                        <a:buChar char="•"/>
                         <a:tabLst/>
                         <a:defRPr/>
                       </a:pPr>
@@ -7298,7 +7298,7 @@
                     <a:bodyPr/>
                     <a:lstStyle/>
                     <a:p>
-                      <a:pPr marL="0" marR="0" lvl="0" indent="0" algn="l" defTabSz="914400" rtl="0" eaLnBrk="1" fontAlgn="auto" latinLnBrk="0" hangingPunct="1">
+                      <a:pPr marL="285750" marR="0" lvl="0" indent="-285750" algn="l" defTabSz="914400" rtl="0" eaLnBrk="1" fontAlgn="auto" latinLnBrk="0" hangingPunct="1">
                         <a:lnSpc>
                           <a:spcPct val="100000"/>
                         </a:lnSpc>
@@ -7311,7 +7311,7 @@
                         <a:buClrTx/>
                         <a:buSzTx/>
                         <a:buFont typeface="Arial" panose="020B0604020202020204" pitchFamily="34" charset="0"/>
-                        <a:buNone/>
+                        <a:buChar char="•"/>
                         <a:tabLst/>
                         <a:defRPr/>
                       </a:pPr>
@@ -7367,7 +7367,7 @@
                     <a:bodyPr/>
                     <a:lstStyle/>
                     <a:p>
-                      <a:pPr marL="0" marR="0" lvl="0" indent="0" algn="l" defTabSz="914400" rtl="0" eaLnBrk="1" fontAlgn="auto" latinLnBrk="0" hangingPunct="1">
+                      <a:pPr marL="285750" marR="0" lvl="0" indent="-285750" algn="l" defTabSz="914400" rtl="0" eaLnBrk="1" fontAlgn="auto" latinLnBrk="0" hangingPunct="1">
                         <a:lnSpc>
                           <a:spcPct val="100000"/>
                         </a:lnSpc>
@@ -7380,7 +7380,7 @@
                         <a:buClrTx/>
                         <a:buSzTx/>
                         <a:buFont typeface="Arial" panose="020B0604020202020204" pitchFamily="34" charset="0"/>
-                        <a:buNone/>
+                        <a:buChar char="•"/>
                         <a:tabLst/>
                         <a:defRPr/>
                       </a:pPr>
@@ -7459,7 +7459,7 @@
                     <a:bodyPr/>
                     <a:lstStyle/>
                     <a:p>
-                      <a:pPr marL="0" marR="0" lvl="0" indent="0" algn="l" defTabSz="914400" rtl="0" eaLnBrk="1" fontAlgn="auto" latinLnBrk="0" hangingPunct="1">
+                      <a:pPr marL="285750" marR="0" lvl="0" indent="-285750" algn="l" defTabSz="914400" rtl="0" eaLnBrk="1" fontAlgn="auto" latinLnBrk="0" hangingPunct="1">
                         <a:lnSpc>
                           <a:spcPct val="100000"/>
                         </a:lnSpc>
@@ -7472,7 +7472,7 @@
                         <a:buClrTx/>
                         <a:buSzTx/>
                         <a:buFont typeface="Arial" panose="020B0604020202020204" pitchFamily="34" charset="0"/>
-                        <a:buNone/>
+                        <a:buChar char="•"/>
                         <a:tabLst/>
                         <a:defRPr/>
                       </a:pPr>
@@ -7732,14 +7732,14 @@
           <p:nvPr>
             <p:extLst>
               <p:ext uri="{D42A27DB-BD31-4B8C-83A1-F6EECF244321}">
-                <p14:modId xmlns:p14="http://schemas.microsoft.com/office/powerpoint/2010/main" val="2479862879"/>
+                <p14:modId xmlns:p14="http://schemas.microsoft.com/office/powerpoint/2010/main" val="647376747"/>
               </p:ext>
             </p:extLst>
           </p:nvPr>
         </p:nvGraphicFramePr>
         <p:xfrm>
           <a:off x="394698" y="1371600"/>
-          <a:ext cx="11393088" cy="4787090"/>
+          <a:ext cx="11393088" cy="4891144"/>
         </p:xfrm>
         <a:graphic>
           <a:graphicData uri="http://schemas.openxmlformats.org/drawingml/2006/table">
@@ -8298,7 +8298,7 @@
                     <a:bodyPr/>
                     <a:lstStyle/>
                     <a:p>
-                      <a:pPr marL="0" marR="0" lvl="0" indent="0" algn="l" defTabSz="914400" rtl="0" eaLnBrk="1" fontAlgn="auto" latinLnBrk="0" hangingPunct="1">
+                      <a:pPr marL="285750" marR="0" lvl="0" indent="-285750" algn="l" defTabSz="914400" rtl="0" eaLnBrk="1" fontAlgn="auto" latinLnBrk="0" hangingPunct="1">
                         <a:lnSpc>
                           <a:spcPct val="100000"/>
                         </a:lnSpc>
@@ -8311,7 +8311,7 @@
                         <a:buClrTx/>
                         <a:buSzTx/>
                         <a:buFont typeface="Arial" panose="020B0604020202020204" pitchFamily="34" charset="0"/>
-                        <a:buNone/>
+                        <a:buChar char="•"/>
                         <a:tabLst/>
                         <a:defRPr/>
                       </a:pPr>
@@ -8358,7 +8358,7 @@
                     <a:bodyPr/>
                     <a:lstStyle/>
                     <a:p>
-                      <a:pPr marL="0" marR="0" lvl="0" indent="0" algn="l" defTabSz="914400" rtl="0" eaLnBrk="1" fontAlgn="auto" latinLnBrk="0" hangingPunct="1">
+                      <a:pPr marL="285750" marR="0" lvl="0" indent="-285750" algn="l" defTabSz="914400" rtl="0" eaLnBrk="1" fontAlgn="auto" latinLnBrk="0" hangingPunct="1">
                         <a:lnSpc>
                           <a:spcPct val="100000"/>
                         </a:lnSpc>
@@ -8371,7 +8371,7 @@
                         <a:buClrTx/>
                         <a:buSzTx/>
                         <a:buFont typeface="Arial" panose="020B0604020202020204" pitchFamily="34" charset="0"/>
-                        <a:buNone/>
+                        <a:buChar char="•"/>
                         <a:tabLst/>
                         <a:defRPr/>
                       </a:pPr>
@@ -8427,7 +8427,7 @@
                     <a:bodyPr/>
                     <a:lstStyle/>
                     <a:p>
-                      <a:pPr marL="0" marR="0" lvl="0" indent="0" algn="l" defTabSz="914400" rtl="0" eaLnBrk="1" fontAlgn="auto" latinLnBrk="0" hangingPunct="1">
+                      <a:pPr marL="285750" marR="0" lvl="0" indent="-285750" algn="l" defTabSz="914400" rtl="0" eaLnBrk="1" fontAlgn="auto" latinLnBrk="0" hangingPunct="1">
                         <a:lnSpc>
                           <a:spcPct val="100000"/>
                         </a:lnSpc>
@@ -8440,7 +8440,7 @@
                         <a:buClrTx/>
                         <a:buSzTx/>
                         <a:buFont typeface="Arial" panose="020B0604020202020204" pitchFamily="34" charset="0"/>
-                        <a:buNone/>
+                        <a:buChar char="•"/>
                         <a:tabLst/>
                         <a:defRPr/>
                       </a:pPr>
@@ -8487,7 +8487,7 @@
                     <a:bodyPr/>
                     <a:lstStyle/>
                     <a:p>
-                      <a:pPr marL="0" marR="0" lvl="0" indent="0" algn="l" defTabSz="914400" rtl="0" eaLnBrk="1" fontAlgn="auto" latinLnBrk="0" hangingPunct="1">
+                      <a:pPr marL="285750" marR="0" lvl="0" indent="-285750" algn="l" defTabSz="914400" rtl="0" eaLnBrk="1" fontAlgn="auto" latinLnBrk="0" hangingPunct="1">
                         <a:lnSpc>
                           <a:spcPct val="100000"/>
                         </a:lnSpc>
@@ -8500,7 +8500,7 @@
                         <a:buClrTx/>
                         <a:buSzTx/>
                         <a:buFont typeface="Arial" panose="020B0604020202020204" pitchFamily="34" charset="0"/>
-                        <a:buNone/>
+                        <a:buChar char="•"/>
                         <a:tabLst/>
                         <a:defRPr/>
                       </a:pPr>
@@ -8547,7 +8547,7 @@
                     <a:bodyPr/>
                     <a:lstStyle/>
                     <a:p>
-                      <a:pPr marL="0" marR="0" lvl="0" indent="0" algn="l" defTabSz="914400" rtl="0" eaLnBrk="1" fontAlgn="auto" latinLnBrk="0" hangingPunct="1">
+                      <a:pPr marL="285750" marR="0" lvl="0" indent="-285750" algn="l" defTabSz="914400" rtl="0" eaLnBrk="1" fontAlgn="auto" latinLnBrk="0" hangingPunct="1">
                         <a:lnSpc>
                           <a:spcPct val="100000"/>
                         </a:lnSpc>
@@ -8560,7 +8560,7 @@
                         <a:buClrTx/>
                         <a:buSzTx/>
                         <a:buFont typeface="Arial" panose="020B0604020202020204" pitchFamily="34" charset="0"/>
-                        <a:buNone/>
+                        <a:buChar char="•"/>
                         <a:tabLst/>
                         <a:defRPr/>
                       </a:pPr>
@@ -8639,7 +8639,7 @@
                     <a:bodyPr/>
                     <a:lstStyle/>
                     <a:p>
-                      <a:pPr marL="0" marR="0" lvl="0" indent="0" algn="l" defTabSz="914400" rtl="0" eaLnBrk="1" fontAlgn="auto" latinLnBrk="0" hangingPunct="1">
+                      <a:pPr marL="285750" marR="0" lvl="0" indent="-285750" algn="l" defTabSz="914400" rtl="0" eaLnBrk="1" fontAlgn="auto" latinLnBrk="0" hangingPunct="1">
                         <a:lnSpc>
                           <a:spcPct val="100000"/>
                         </a:lnSpc>
@@ -8652,7 +8652,7 @@
                         <a:buClrTx/>
                         <a:buSzTx/>
                         <a:buFont typeface="Arial" panose="020B0604020202020204" pitchFamily="34" charset="0"/>
-                        <a:buNone/>
+                        <a:buChar char="•"/>
                         <a:tabLst/>
                         <a:defRPr/>
                       </a:pPr>
